--- a/snaka.pptx
+++ b/snaka.pptx
@@ -202,7 +202,7 @@
           <a:p>
             <a:fld id="{191D2496-B0BB-450E-8C12-F1D48FAFDED7}" type="datetimeFigureOut">
               <a:rPr lang="fr-FR" smtClean="0"/>
-              <a:t>28/01/2022</a:t>
+              <a:t>29/01/2022</a:t>
             </a:fld>
             <a:endParaRPr lang="fr-FR"/>
           </a:p>
@@ -3573,7 +3573,7 @@
         </p:nvSpPr>
         <p:spPr>
           <a:xfrm>
-            <a:off x="390144" y="6356350"/>
+            <a:off x="1219197" y="6346833"/>
             <a:ext cx="10972800" cy="501650"/>
           </a:xfrm>
         </p:spPr>
@@ -4854,7 +4854,7 @@
                                     </p:set>
                                     <p:anim calcmode="lin" valueType="num">
                                       <p:cBhvr>
-                                        <p:cTn id="53" dur="1250" fill="hold"/>
+                                        <p:cTn id="53" dur="500" fill="hold"/>
                                         <p:tgtEl>
                                           <p:spTgt spid="20"/>
                                         </p:tgtEl>
@@ -4877,7 +4877,7 @@
                                     </p:anim>
                                     <p:anim calcmode="lin" valueType="num">
                                       <p:cBhvr>
-                                        <p:cTn id="54" dur="1250" fill="hold"/>
+                                        <p:cTn id="54" dur="500" fill="hold"/>
                                         <p:tgtEl>
                                           <p:spTgt spid="20"/>
                                         </p:tgtEl>
@@ -4900,7 +4900,7 @@
                                     </p:anim>
                                     <p:animEffect transition="in" filter="fade">
                                       <p:cBhvr>
-                                        <p:cTn id="55" dur="1250"/>
+                                        <p:cTn id="55" dur="500"/>
                                         <p:tgtEl>
                                           <p:spTgt spid="20"/>
                                         </p:tgtEl>
@@ -5429,7 +5429,7 @@
         <p:spPr>
           <a:xfrm>
             <a:off x="121919" y="38362"/>
-            <a:ext cx="11948161" cy="365760"/>
+            <a:ext cx="11948161" cy="400110"/>
           </a:xfrm>
           <a:prstGeom prst="rect">
             <a:avLst/>
@@ -5450,7 +5450,7 @@
                   <a:srgbClr val="002060"/>
                 </a:solidFill>
               </a:rPr>
-              <a:t>SANKA VACCINATION PROJECT                                                                                                    UNIVERSITY OF YAOUNDE 1</a:t>
+              <a:t>SANKA VACCINATION PROJECT                                                                                                  UNIVERSITY OF YAOUNDE 1</a:t>
             </a:r>
             <a:endParaRPr lang="fr-FR" sz="2000" b="1" dirty="0">
               <a:solidFill>
@@ -5482,14 +5482,16 @@
           </a:bodyPr>
           <a:lstStyle/>
           <a:p>
-            <a:endParaRPr lang="en-US" dirty="0" smtClean="0"/>
+            <a:endParaRPr lang="en-US" u="sng" dirty="0" smtClean="0">
+              <a:latin typeface="Philosopher" pitchFamily="2" charset="0"/>
+            </a:endParaRPr>
           </a:p>
           <a:p>
             <a:pPr marL="514350" indent="-514350">
               <a:buAutoNum type="arabicPeriod"/>
             </a:pPr>
             <a:r>
-              <a:rPr lang="en-US" sz="3200" b="1" dirty="0" smtClean="0">
+              <a:rPr lang="en-US" sz="3200" b="1" u="sng" dirty="0" smtClean="0">
                 <a:solidFill>
                   <a:srgbClr val="FF0000"/>
                 </a:solidFill>
@@ -5539,7 +5541,7 @@
                 </a:solidFill>
                 <a:latin typeface="Philosopher" pitchFamily="2" charset="0"/>
               </a:rPr>
-              <a:t>NON DIGITALIZATION OF ACHIEVES</a:t>
+              <a:t>NONE DIGITALIZATION OF ACHIEVES</a:t>
             </a:r>
           </a:p>
           <a:p>
@@ -5623,7 +5625,627 @@
   <p:timing>
     <p:tnLst>
       <p:par>
-        <p:cTn id="1" dur="indefinite" restart="never" nodeType="tmRoot"/>
+        <p:cTn id="1" dur="indefinite" restart="never" nodeType="tmRoot">
+          <p:childTnLst>
+            <p:seq concurrent="1" nextAc="seek">
+              <p:cTn id="2" dur="indefinite" nodeType="mainSeq">
+                <p:childTnLst>
+                  <p:par>
+                    <p:cTn id="3" fill="hold">
+                      <p:stCondLst>
+                        <p:cond delay="indefinite"/>
+                      </p:stCondLst>
+                      <p:childTnLst>
+                        <p:par>
+                          <p:cTn id="4" fill="hold">
+                            <p:stCondLst>
+                              <p:cond delay="0"/>
+                            </p:stCondLst>
+                            <p:childTnLst>
+                              <p:par>
+                                <p:cTn id="5" presetID="2" presetClass="entr" presetSubtype="8" fill="hold" nodeType="clickEffect">
+                                  <p:stCondLst>
+                                    <p:cond delay="0"/>
+                                  </p:stCondLst>
+                                  <p:childTnLst>
+                                    <p:set>
+                                      <p:cBhvr>
+                                        <p:cTn id="6" dur="1" fill="hold">
+                                          <p:stCondLst>
+                                            <p:cond delay="0"/>
+                                          </p:stCondLst>
+                                        </p:cTn>
+                                        <p:tgtEl>
+                                          <p:spTgt spid="5">
+                                            <p:txEl>
+                                              <p:pRg st="1" end="1"/>
+                                            </p:txEl>
+                                          </p:spTgt>
+                                        </p:tgtEl>
+                                        <p:attrNameLst>
+                                          <p:attrName>style.visibility</p:attrName>
+                                        </p:attrNameLst>
+                                      </p:cBhvr>
+                                      <p:to>
+                                        <p:strVal val="visible"/>
+                                      </p:to>
+                                    </p:set>
+                                    <p:anim calcmode="lin" valueType="num">
+                                      <p:cBhvr additive="base">
+                                        <p:cTn id="7" dur="1250" fill="hold"/>
+                                        <p:tgtEl>
+                                          <p:spTgt spid="5">
+                                            <p:txEl>
+                                              <p:pRg st="1" end="1"/>
+                                            </p:txEl>
+                                          </p:spTgt>
+                                        </p:tgtEl>
+                                        <p:attrNameLst>
+                                          <p:attrName>ppt_x</p:attrName>
+                                        </p:attrNameLst>
+                                      </p:cBhvr>
+                                      <p:tavLst>
+                                        <p:tav tm="0">
+                                          <p:val>
+                                            <p:strVal val="0-#ppt_w/2"/>
+                                          </p:val>
+                                        </p:tav>
+                                        <p:tav tm="100000">
+                                          <p:val>
+                                            <p:strVal val="#ppt_x"/>
+                                          </p:val>
+                                        </p:tav>
+                                      </p:tavLst>
+                                    </p:anim>
+                                    <p:anim calcmode="lin" valueType="num">
+                                      <p:cBhvr additive="base">
+                                        <p:cTn id="8" dur="1250" fill="hold"/>
+                                        <p:tgtEl>
+                                          <p:spTgt spid="5">
+                                            <p:txEl>
+                                              <p:pRg st="1" end="1"/>
+                                            </p:txEl>
+                                          </p:spTgt>
+                                        </p:tgtEl>
+                                        <p:attrNameLst>
+                                          <p:attrName>ppt_y</p:attrName>
+                                        </p:attrNameLst>
+                                      </p:cBhvr>
+                                      <p:tavLst>
+                                        <p:tav tm="0">
+                                          <p:val>
+                                            <p:strVal val="#ppt_y"/>
+                                          </p:val>
+                                        </p:tav>
+                                        <p:tav tm="100000">
+                                          <p:val>
+                                            <p:strVal val="#ppt_y"/>
+                                          </p:val>
+                                        </p:tav>
+                                      </p:tavLst>
+                                    </p:anim>
+                                  </p:childTnLst>
+                                </p:cTn>
+                              </p:par>
+                            </p:childTnLst>
+                          </p:cTn>
+                        </p:par>
+                      </p:childTnLst>
+                    </p:cTn>
+                  </p:par>
+                  <p:par>
+                    <p:cTn id="9" fill="hold">
+                      <p:stCondLst>
+                        <p:cond delay="indefinite"/>
+                      </p:stCondLst>
+                      <p:childTnLst>
+                        <p:par>
+                          <p:cTn id="10" fill="hold">
+                            <p:stCondLst>
+                              <p:cond delay="0"/>
+                            </p:stCondLst>
+                            <p:childTnLst>
+                              <p:par>
+                                <p:cTn id="11" presetID="16" presetClass="entr" presetSubtype="21" fill="hold" nodeType="clickEffect">
+                                  <p:stCondLst>
+                                    <p:cond delay="0"/>
+                                  </p:stCondLst>
+                                  <p:childTnLst>
+                                    <p:set>
+                                      <p:cBhvr>
+                                        <p:cTn id="12" dur="1" fill="hold">
+                                          <p:stCondLst>
+                                            <p:cond delay="0"/>
+                                          </p:stCondLst>
+                                        </p:cTn>
+                                        <p:tgtEl>
+                                          <p:spTgt spid="5">
+                                            <p:txEl>
+                                              <p:pRg st="3" end="3"/>
+                                            </p:txEl>
+                                          </p:spTgt>
+                                        </p:tgtEl>
+                                        <p:attrNameLst>
+                                          <p:attrName>style.visibility</p:attrName>
+                                        </p:attrNameLst>
+                                      </p:cBhvr>
+                                      <p:to>
+                                        <p:strVal val="visible"/>
+                                      </p:to>
+                                    </p:set>
+                                    <p:animEffect transition="in" filter="barn(inVertical)">
+                                      <p:cBhvr>
+                                        <p:cTn id="13" dur="1500"/>
+                                        <p:tgtEl>
+                                          <p:spTgt spid="5">
+                                            <p:txEl>
+                                              <p:pRg st="3" end="3"/>
+                                            </p:txEl>
+                                          </p:spTgt>
+                                        </p:tgtEl>
+                                      </p:cBhvr>
+                                    </p:animEffect>
+                                  </p:childTnLst>
+                                </p:cTn>
+                              </p:par>
+                            </p:childTnLst>
+                          </p:cTn>
+                        </p:par>
+                      </p:childTnLst>
+                    </p:cTn>
+                  </p:par>
+                  <p:par>
+                    <p:cTn id="14" fill="hold">
+                      <p:stCondLst>
+                        <p:cond delay="indefinite"/>
+                      </p:stCondLst>
+                      <p:childTnLst>
+                        <p:par>
+                          <p:cTn id="15" fill="hold">
+                            <p:stCondLst>
+                              <p:cond delay="0"/>
+                            </p:stCondLst>
+                            <p:childTnLst>
+                              <p:par>
+                                <p:cTn id="16" presetID="22" presetClass="entr" presetSubtype="8" fill="hold" nodeType="clickEffect">
+                                  <p:stCondLst>
+                                    <p:cond delay="0"/>
+                                  </p:stCondLst>
+                                  <p:childTnLst>
+                                    <p:set>
+                                      <p:cBhvr>
+                                        <p:cTn id="17" dur="1" fill="hold">
+                                          <p:stCondLst>
+                                            <p:cond delay="0"/>
+                                          </p:stCondLst>
+                                        </p:cTn>
+                                        <p:tgtEl>
+                                          <p:spTgt spid="5">
+                                            <p:txEl>
+                                              <p:pRg st="4" end="4"/>
+                                            </p:txEl>
+                                          </p:spTgt>
+                                        </p:tgtEl>
+                                        <p:attrNameLst>
+                                          <p:attrName>style.visibility</p:attrName>
+                                        </p:attrNameLst>
+                                      </p:cBhvr>
+                                      <p:to>
+                                        <p:strVal val="visible"/>
+                                      </p:to>
+                                    </p:set>
+                                    <p:animEffect transition="in" filter="wipe(left)">
+                                      <p:cBhvr>
+                                        <p:cTn id="18" dur="1250"/>
+                                        <p:tgtEl>
+                                          <p:spTgt spid="5">
+                                            <p:txEl>
+                                              <p:pRg st="4" end="4"/>
+                                            </p:txEl>
+                                          </p:spTgt>
+                                        </p:tgtEl>
+                                      </p:cBhvr>
+                                    </p:animEffect>
+                                  </p:childTnLst>
+                                </p:cTn>
+                              </p:par>
+                            </p:childTnLst>
+                          </p:cTn>
+                        </p:par>
+                      </p:childTnLst>
+                    </p:cTn>
+                  </p:par>
+                  <p:par>
+                    <p:cTn id="19" fill="hold">
+                      <p:stCondLst>
+                        <p:cond delay="indefinite"/>
+                      </p:stCondLst>
+                      <p:childTnLst>
+                        <p:par>
+                          <p:cTn id="20" fill="hold">
+                            <p:stCondLst>
+                              <p:cond delay="0"/>
+                            </p:stCondLst>
+                            <p:childTnLst>
+                              <p:par>
+                                <p:cTn id="21" presetID="53" presetClass="entr" presetSubtype="16" fill="hold" nodeType="clickEffect">
+                                  <p:stCondLst>
+                                    <p:cond delay="0"/>
+                                  </p:stCondLst>
+                                  <p:childTnLst>
+                                    <p:set>
+                                      <p:cBhvr>
+                                        <p:cTn id="22" dur="1" fill="hold">
+                                          <p:stCondLst>
+                                            <p:cond delay="0"/>
+                                          </p:stCondLst>
+                                        </p:cTn>
+                                        <p:tgtEl>
+                                          <p:spTgt spid="5">
+                                            <p:txEl>
+                                              <p:pRg st="5" end="5"/>
+                                            </p:txEl>
+                                          </p:spTgt>
+                                        </p:tgtEl>
+                                        <p:attrNameLst>
+                                          <p:attrName>style.visibility</p:attrName>
+                                        </p:attrNameLst>
+                                      </p:cBhvr>
+                                      <p:to>
+                                        <p:strVal val="visible"/>
+                                      </p:to>
+                                    </p:set>
+                                    <p:anim calcmode="lin" valueType="num">
+                                      <p:cBhvr>
+                                        <p:cTn id="23" dur="1250" fill="hold"/>
+                                        <p:tgtEl>
+                                          <p:spTgt spid="5">
+                                            <p:txEl>
+                                              <p:pRg st="5" end="5"/>
+                                            </p:txEl>
+                                          </p:spTgt>
+                                        </p:tgtEl>
+                                        <p:attrNameLst>
+                                          <p:attrName>ppt_w</p:attrName>
+                                        </p:attrNameLst>
+                                      </p:cBhvr>
+                                      <p:tavLst>
+                                        <p:tav tm="0">
+                                          <p:val>
+                                            <p:fltVal val="0"/>
+                                          </p:val>
+                                        </p:tav>
+                                        <p:tav tm="100000">
+                                          <p:val>
+                                            <p:strVal val="#ppt_w"/>
+                                          </p:val>
+                                        </p:tav>
+                                      </p:tavLst>
+                                    </p:anim>
+                                    <p:anim calcmode="lin" valueType="num">
+                                      <p:cBhvr>
+                                        <p:cTn id="24" dur="1250" fill="hold"/>
+                                        <p:tgtEl>
+                                          <p:spTgt spid="5">
+                                            <p:txEl>
+                                              <p:pRg st="5" end="5"/>
+                                            </p:txEl>
+                                          </p:spTgt>
+                                        </p:tgtEl>
+                                        <p:attrNameLst>
+                                          <p:attrName>ppt_h</p:attrName>
+                                        </p:attrNameLst>
+                                      </p:cBhvr>
+                                      <p:tavLst>
+                                        <p:tav tm="0">
+                                          <p:val>
+                                            <p:fltVal val="0"/>
+                                          </p:val>
+                                        </p:tav>
+                                        <p:tav tm="100000">
+                                          <p:val>
+                                            <p:strVal val="#ppt_h"/>
+                                          </p:val>
+                                        </p:tav>
+                                      </p:tavLst>
+                                    </p:anim>
+                                    <p:animEffect transition="in" filter="fade">
+                                      <p:cBhvr>
+                                        <p:cTn id="25" dur="1250"/>
+                                        <p:tgtEl>
+                                          <p:spTgt spid="5">
+                                            <p:txEl>
+                                              <p:pRg st="5" end="5"/>
+                                            </p:txEl>
+                                          </p:spTgt>
+                                        </p:tgtEl>
+                                      </p:cBhvr>
+                                    </p:animEffect>
+                                  </p:childTnLst>
+                                </p:cTn>
+                              </p:par>
+                            </p:childTnLst>
+                          </p:cTn>
+                        </p:par>
+                      </p:childTnLst>
+                    </p:cTn>
+                  </p:par>
+                  <p:par>
+                    <p:cTn id="26" fill="hold">
+                      <p:stCondLst>
+                        <p:cond delay="indefinite"/>
+                      </p:stCondLst>
+                      <p:childTnLst>
+                        <p:par>
+                          <p:cTn id="27" fill="hold">
+                            <p:stCondLst>
+                              <p:cond delay="0"/>
+                            </p:stCondLst>
+                            <p:childTnLst>
+                              <p:par>
+                                <p:cTn id="28" presetID="31" presetClass="entr" presetSubtype="0" fill="hold" nodeType="clickEffect">
+                                  <p:stCondLst>
+                                    <p:cond delay="0"/>
+                                  </p:stCondLst>
+                                  <p:childTnLst>
+                                    <p:set>
+                                      <p:cBhvr>
+                                        <p:cTn id="29" dur="1" fill="hold">
+                                          <p:stCondLst>
+                                            <p:cond delay="0"/>
+                                          </p:stCondLst>
+                                        </p:cTn>
+                                        <p:tgtEl>
+                                          <p:spTgt spid="5">
+                                            <p:txEl>
+                                              <p:pRg st="6" end="6"/>
+                                            </p:txEl>
+                                          </p:spTgt>
+                                        </p:tgtEl>
+                                        <p:attrNameLst>
+                                          <p:attrName>style.visibility</p:attrName>
+                                        </p:attrNameLst>
+                                      </p:cBhvr>
+                                      <p:to>
+                                        <p:strVal val="visible"/>
+                                      </p:to>
+                                    </p:set>
+                                    <p:anim calcmode="lin" valueType="num">
+                                      <p:cBhvr>
+                                        <p:cTn id="30" dur="2000" fill="hold"/>
+                                        <p:tgtEl>
+                                          <p:spTgt spid="5">
+                                            <p:txEl>
+                                              <p:pRg st="6" end="6"/>
+                                            </p:txEl>
+                                          </p:spTgt>
+                                        </p:tgtEl>
+                                        <p:attrNameLst>
+                                          <p:attrName>ppt_w</p:attrName>
+                                        </p:attrNameLst>
+                                      </p:cBhvr>
+                                      <p:tavLst>
+                                        <p:tav tm="0">
+                                          <p:val>
+                                            <p:fltVal val="0"/>
+                                          </p:val>
+                                        </p:tav>
+                                        <p:tav tm="100000">
+                                          <p:val>
+                                            <p:strVal val="#ppt_w"/>
+                                          </p:val>
+                                        </p:tav>
+                                      </p:tavLst>
+                                    </p:anim>
+                                    <p:anim calcmode="lin" valueType="num">
+                                      <p:cBhvr>
+                                        <p:cTn id="31" dur="2000" fill="hold"/>
+                                        <p:tgtEl>
+                                          <p:spTgt spid="5">
+                                            <p:txEl>
+                                              <p:pRg st="6" end="6"/>
+                                            </p:txEl>
+                                          </p:spTgt>
+                                        </p:tgtEl>
+                                        <p:attrNameLst>
+                                          <p:attrName>ppt_h</p:attrName>
+                                        </p:attrNameLst>
+                                      </p:cBhvr>
+                                      <p:tavLst>
+                                        <p:tav tm="0">
+                                          <p:val>
+                                            <p:fltVal val="0"/>
+                                          </p:val>
+                                        </p:tav>
+                                        <p:tav tm="100000">
+                                          <p:val>
+                                            <p:strVal val="#ppt_h"/>
+                                          </p:val>
+                                        </p:tav>
+                                      </p:tavLst>
+                                    </p:anim>
+                                    <p:anim calcmode="lin" valueType="num">
+                                      <p:cBhvr>
+                                        <p:cTn id="32" dur="2000" fill="hold"/>
+                                        <p:tgtEl>
+                                          <p:spTgt spid="5">
+                                            <p:txEl>
+                                              <p:pRg st="6" end="6"/>
+                                            </p:txEl>
+                                          </p:spTgt>
+                                        </p:tgtEl>
+                                        <p:attrNameLst>
+                                          <p:attrName>style.rotation</p:attrName>
+                                        </p:attrNameLst>
+                                      </p:cBhvr>
+                                      <p:tavLst>
+                                        <p:tav tm="0">
+                                          <p:val>
+                                            <p:fltVal val="90"/>
+                                          </p:val>
+                                        </p:tav>
+                                        <p:tav tm="100000">
+                                          <p:val>
+                                            <p:fltVal val="0"/>
+                                          </p:val>
+                                        </p:tav>
+                                      </p:tavLst>
+                                    </p:anim>
+                                    <p:animEffect transition="in" filter="fade">
+                                      <p:cBhvr>
+                                        <p:cTn id="33" dur="2000"/>
+                                        <p:tgtEl>
+                                          <p:spTgt spid="5">
+                                            <p:txEl>
+                                              <p:pRg st="6" end="6"/>
+                                            </p:txEl>
+                                          </p:spTgt>
+                                        </p:tgtEl>
+                                      </p:cBhvr>
+                                    </p:animEffect>
+                                  </p:childTnLst>
+                                </p:cTn>
+                              </p:par>
+                            </p:childTnLst>
+                          </p:cTn>
+                        </p:par>
+                      </p:childTnLst>
+                    </p:cTn>
+                  </p:par>
+                  <p:par>
+                    <p:cTn id="34" fill="hold">
+                      <p:stCondLst>
+                        <p:cond delay="indefinite"/>
+                      </p:stCondLst>
+                      <p:childTnLst>
+                        <p:par>
+                          <p:cTn id="35" fill="hold">
+                            <p:stCondLst>
+                              <p:cond delay="0"/>
+                            </p:stCondLst>
+                            <p:childTnLst>
+                              <p:par>
+                                <p:cTn id="36" presetID="45" presetClass="entr" presetSubtype="0" fill="hold" nodeType="clickEffect">
+                                  <p:stCondLst>
+                                    <p:cond delay="0"/>
+                                  </p:stCondLst>
+                                  <p:childTnLst>
+                                    <p:set>
+                                      <p:cBhvr>
+                                        <p:cTn id="37" dur="1" fill="hold">
+                                          <p:stCondLst>
+                                            <p:cond delay="0"/>
+                                          </p:stCondLst>
+                                        </p:cTn>
+                                        <p:tgtEl>
+                                          <p:spTgt spid="5">
+                                            <p:txEl>
+                                              <p:pRg st="7" end="7"/>
+                                            </p:txEl>
+                                          </p:spTgt>
+                                        </p:tgtEl>
+                                        <p:attrNameLst>
+                                          <p:attrName>style.visibility</p:attrName>
+                                        </p:attrNameLst>
+                                      </p:cBhvr>
+                                      <p:to>
+                                        <p:strVal val="visible"/>
+                                      </p:to>
+                                    </p:set>
+                                    <p:animEffect transition="in" filter="fade">
+                                      <p:cBhvr>
+                                        <p:cTn id="38" dur="750"/>
+                                        <p:tgtEl>
+                                          <p:spTgt spid="5">
+                                            <p:txEl>
+                                              <p:pRg st="7" end="7"/>
+                                            </p:txEl>
+                                          </p:spTgt>
+                                        </p:tgtEl>
+                                      </p:cBhvr>
+                                    </p:animEffect>
+                                    <p:anim calcmode="lin" valueType="num">
+                                      <p:cBhvr>
+                                        <p:cTn id="39" dur="750" fill="hold"/>
+                                        <p:tgtEl>
+                                          <p:spTgt spid="5">
+                                            <p:txEl>
+                                              <p:pRg st="7" end="7"/>
+                                            </p:txEl>
+                                          </p:spTgt>
+                                        </p:tgtEl>
+                                        <p:attrNameLst>
+                                          <p:attrName>ppt_w</p:attrName>
+                                        </p:attrNameLst>
+                                      </p:cBhvr>
+                                      <p:tavLst>
+                                        <p:tav tm="0" fmla="#ppt_w*sin(2.5*pi*$)">
+                                          <p:val>
+                                            <p:fltVal val="0"/>
+                                          </p:val>
+                                        </p:tav>
+                                        <p:tav tm="100000">
+                                          <p:val>
+                                            <p:fltVal val="1"/>
+                                          </p:val>
+                                        </p:tav>
+                                      </p:tavLst>
+                                    </p:anim>
+                                    <p:anim calcmode="lin" valueType="num">
+                                      <p:cBhvr>
+                                        <p:cTn id="40" dur="750" fill="hold"/>
+                                        <p:tgtEl>
+                                          <p:spTgt spid="5">
+                                            <p:txEl>
+                                              <p:pRg st="7" end="7"/>
+                                            </p:txEl>
+                                          </p:spTgt>
+                                        </p:tgtEl>
+                                        <p:attrNameLst>
+                                          <p:attrName>ppt_h</p:attrName>
+                                        </p:attrNameLst>
+                                      </p:cBhvr>
+                                      <p:tavLst>
+                                        <p:tav tm="0">
+                                          <p:val>
+                                            <p:strVal val="#ppt_h"/>
+                                          </p:val>
+                                        </p:tav>
+                                        <p:tav tm="100000">
+                                          <p:val>
+                                            <p:strVal val="#ppt_h"/>
+                                          </p:val>
+                                        </p:tav>
+                                      </p:tavLst>
+                                    </p:anim>
+                                  </p:childTnLst>
+                                </p:cTn>
+                              </p:par>
+                            </p:childTnLst>
+                          </p:cTn>
+                        </p:par>
+                      </p:childTnLst>
+                    </p:cTn>
+                  </p:par>
+                </p:childTnLst>
+              </p:cTn>
+              <p:prevCondLst>
+                <p:cond evt="onPrev" delay="0">
+                  <p:tgtEl>
+                    <p:sldTgt/>
+                  </p:tgtEl>
+                </p:cond>
+              </p:prevCondLst>
+              <p:nextCondLst>
+                <p:cond evt="onNext" delay="0">
+                  <p:tgtEl>
+                    <p:sldTgt/>
+                  </p:tgtEl>
+                </p:cond>
+              </p:nextCondLst>
+            </p:seq>
+          </p:childTnLst>
+        </p:cTn>
       </p:par>
     </p:tnLst>
   </p:timing>
@@ -6274,7 +6896,7 @@
         </p:nvSpPr>
         <p:spPr>
           <a:xfrm>
-            <a:off x="6574029" y="1191190"/>
+            <a:off x="6506720" y="1318090"/>
             <a:ext cx="5617970" cy="5029200"/>
           </a:xfrm>
           <a:prstGeom prst="rect">
@@ -8067,14 +8689,14 @@
           <a:lstStyle/>
           <a:p>
             <a:r>
-              <a:rPr lang="en-US" sz="3200" b="1" dirty="0" smtClean="0">
+              <a:rPr lang="en-US" sz="3200" b="1" u="sng" dirty="0" smtClean="0">
                 <a:solidFill>
                   <a:srgbClr val="00CC00"/>
                 </a:solidFill>
               </a:rPr>
               <a:t>4. PROPOSED SOLUTION</a:t>
             </a:r>
-            <a:endParaRPr lang="fr-FR" sz="3200" b="1" dirty="0">
+            <a:endParaRPr lang="fr-FR" sz="3200" b="1" u="sng" dirty="0">
               <a:solidFill>
                 <a:srgbClr val="00CC00"/>
               </a:solidFill>
@@ -8315,6 +8937,366 @@
                                         </p:tav>
                                       </p:tavLst>
                                     </p:anim>
+                                  </p:childTnLst>
+                                </p:cTn>
+                              </p:par>
+                            </p:childTnLst>
+                          </p:cTn>
+                        </p:par>
+                      </p:childTnLst>
+                    </p:cTn>
+                  </p:par>
+                  <p:par>
+                    <p:cTn id="10" fill="hold">
+                      <p:stCondLst>
+                        <p:cond delay="indefinite"/>
+                      </p:stCondLst>
+                      <p:childTnLst>
+                        <p:par>
+                          <p:cTn id="11" fill="hold">
+                            <p:stCondLst>
+                              <p:cond delay="0"/>
+                            </p:stCondLst>
+                            <p:childTnLst>
+                              <p:par>
+                                <p:cTn id="12" presetID="2" presetClass="entr" presetSubtype="8" fill="hold" nodeType="clickEffect">
+                                  <p:stCondLst>
+                                    <p:cond delay="0"/>
+                                  </p:stCondLst>
+                                  <p:childTnLst>
+                                    <p:set>
+                                      <p:cBhvr>
+                                        <p:cTn id="13" dur="1" fill="hold">
+                                          <p:stCondLst>
+                                            <p:cond delay="0"/>
+                                          </p:stCondLst>
+                                        </p:cTn>
+                                        <p:tgtEl>
+                                          <p:spTgt spid="7">
+                                            <p:txEl>
+                                              <p:pRg st="0" end="0"/>
+                                            </p:txEl>
+                                          </p:spTgt>
+                                        </p:tgtEl>
+                                        <p:attrNameLst>
+                                          <p:attrName>style.visibility</p:attrName>
+                                        </p:attrNameLst>
+                                      </p:cBhvr>
+                                      <p:to>
+                                        <p:strVal val="visible"/>
+                                      </p:to>
+                                    </p:set>
+                                    <p:anim calcmode="lin" valueType="num">
+                                      <p:cBhvr additive="base">
+                                        <p:cTn id="14" dur="1250" fill="hold"/>
+                                        <p:tgtEl>
+                                          <p:spTgt spid="7">
+                                            <p:txEl>
+                                              <p:pRg st="0" end="0"/>
+                                            </p:txEl>
+                                          </p:spTgt>
+                                        </p:tgtEl>
+                                        <p:attrNameLst>
+                                          <p:attrName>ppt_x</p:attrName>
+                                        </p:attrNameLst>
+                                      </p:cBhvr>
+                                      <p:tavLst>
+                                        <p:tav tm="0">
+                                          <p:val>
+                                            <p:strVal val="0-#ppt_w/2"/>
+                                          </p:val>
+                                        </p:tav>
+                                        <p:tav tm="100000">
+                                          <p:val>
+                                            <p:strVal val="#ppt_x"/>
+                                          </p:val>
+                                        </p:tav>
+                                      </p:tavLst>
+                                    </p:anim>
+                                    <p:anim calcmode="lin" valueType="num">
+                                      <p:cBhvr additive="base">
+                                        <p:cTn id="15" dur="1250" fill="hold"/>
+                                        <p:tgtEl>
+                                          <p:spTgt spid="7">
+                                            <p:txEl>
+                                              <p:pRg st="0" end="0"/>
+                                            </p:txEl>
+                                          </p:spTgt>
+                                        </p:tgtEl>
+                                        <p:attrNameLst>
+                                          <p:attrName>ppt_y</p:attrName>
+                                        </p:attrNameLst>
+                                      </p:cBhvr>
+                                      <p:tavLst>
+                                        <p:tav tm="0">
+                                          <p:val>
+                                            <p:strVal val="#ppt_y"/>
+                                          </p:val>
+                                        </p:tav>
+                                        <p:tav tm="100000">
+                                          <p:val>
+                                            <p:strVal val="#ppt_y"/>
+                                          </p:val>
+                                        </p:tav>
+                                      </p:tavLst>
+                                    </p:anim>
+                                  </p:childTnLst>
+                                </p:cTn>
+                              </p:par>
+                            </p:childTnLst>
+                          </p:cTn>
+                        </p:par>
+                      </p:childTnLst>
+                    </p:cTn>
+                  </p:par>
+                  <p:par>
+                    <p:cTn id="16" fill="hold">
+                      <p:stCondLst>
+                        <p:cond delay="indefinite"/>
+                      </p:stCondLst>
+                      <p:childTnLst>
+                        <p:par>
+                          <p:cTn id="17" fill="hold">
+                            <p:stCondLst>
+                              <p:cond delay="0"/>
+                            </p:stCondLst>
+                            <p:childTnLst>
+                              <p:par>
+                                <p:cTn id="18" presetID="31" presetClass="entr" presetSubtype="0" fill="hold" nodeType="clickEffect">
+                                  <p:stCondLst>
+                                    <p:cond delay="0"/>
+                                  </p:stCondLst>
+                                  <p:childTnLst>
+                                    <p:set>
+                                      <p:cBhvr>
+                                        <p:cTn id="19" dur="1" fill="hold">
+                                          <p:stCondLst>
+                                            <p:cond delay="0"/>
+                                          </p:stCondLst>
+                                        </p:cTn>
+                                        <p:tgtEl>
+                                          <p:spTgt spid="15">
+                                            <p:txEl>
+                                              <p:pRg st="0" end="0"/>
+                                            </p:txEl>
+                                          </p:spTgt>
+                                        </p:tgtEl>
+                                        <p:attrNameLst>
+                                          <p:attrName>style.visibility</p:attrName>
+                                        </p:attrNameLst>
+                                      </p:cBhvr>
+                                      <p:to>
+                                        <p:strVal val="visible"/>
+                                      </p:to>
+                                    </p:set>
+                                    <p:anim calcmode="lin" valueType="num">
+                                      <p:cBhvr>
+                                        <p:cTn id="20" dur="1250" fill="hold"/>
+                                        <p:tgtEl>
+                                          <p:spTgt spid="15">
+                                            <p:txEl>
+                                              <p:pRg st="0" end="0"/>
+                                            </p:txEl>
+                                          </p:spTgt>
+                                        </p:tgtEl>
+                                        <p:attrNameLst>
+                                          <p:attrName>ppt_w</p:attrName>
+                                        </p:attrNameLst>
+                                      </p:cBhvr>
+                                      <p:tavLst>
+                                        <p:tav tm="0">
+                                          <p:val>
+                                            <p:fltVal val="0"/>
+                                          </p:val>
+                                        </p:tav>
+                                        <p:tav tm="100000">
+                                          <p:val>
+                                            <p:strVal val="#ppt_w"/>
+                                          </p:val>
+                                        </p:tav>
+                                      </p:tavLst>
+                                    </p:anim>
+                                    <p:anim calcmode="lin" valueType="num">
+                                      <p:cBhvr>
+                                        <p:cTn id="21" dur="1250" fill="hold"/>
+                                        <p:tgtEl>
+                                          <p:spTgt spid="15">
+                                            <p:txEl>
+                                              <p:pRg st="0" end="0"/>
+                                            </p:txEl>
+                                          </p:spTgt>
+                                        </p:tgtEl>
+                                        <p:attrNameLst>
+                                          <p:attrName>ppt_h</p:attrName>
+                                        </p:attrNameLst>
+                                      </p:cBhvr>
+                                      <p:tavLst>
+                                        <p:tav tm="0">
+                                          <p:val>
+                                            <p:fltVal val="0"/>
+                                          </p:val>
+                                        </p:tav>
+                                        <p:tav tm="100000">
+                                          <p:val>
+                                            <p:strVal val="#ppt_h"/>
+                                          </p:val>
+                                        </p:tav>
+                                      </p:tavLst>
+                                    </p:anim>
+                                    <p:anim calcmode="lin" valueType="num">
+                                      <p:cBhvr>
+                                        <p:cTn id="22" dur="1250" fill="hold"/>
+                                        <p:tgtEl>
+                                          <p:spTgt spid="15">
+                                            <p:txEl>
+                                              <p:pRg st="0" end="0"/>
+                                            </p:txEl>
+                                          </p:spTgt>
+                                        </p:tgtEl>
+                                        <p:attrNameLst>
+                                          <p:attrName>style.rotation</p:attrName>
+                                        </p:attrNameLst>
+                                      </p:cBhvr>
+                                      <p:tavLst>
+                                        <p:tav tm="0">
+                                          <p:val>
+                                            <p:fltVal val="90"/>
+                                          </p:val>
+                                        </p:tav>
+                                        <p:tav tm="100000">
+                                          <p:val>
+                                            <p:fltVal val="0"/>
+                                          </p:val>
+                                        </p:tav>
+                                      </p:tavLst>
+                                    </p:anim>
+                                    <p:animEffect transition="in" filter="fade">
+                                      <p:cBhvr>
+                                        <p:cTn id="23" dur="1250"/>
+                                        <p:tgtEl>
+                                          <p:spTgt spid="15">
+                                            <p:txEl>
+                                              <p:pRg st="0" end="0"/>
+                                            </p:txEl>
+                                          </p:spTgt>
+                                        </p:tgtEl>
+                                      </p:cBhvr>
+                                    </p:animEffect>
+                                  </p:childTnLst>
+                                </p:cTn>
+                              </p:par>
+                            </p:childTnLst>
+                          </p:cTn>
+                        </p:par>
+                      </p:childTnLst>
+                    </p:cTn>
+                  </p:par>
+                  <p:par>
+                    <p:cTn id="24" fill="hold">
+                      <p:stCondLst>
+                        <p:cond delay="indefinite"/>
+                      </p:stCondLst>
+                      <p:childTnLst>
+                        <p:par>
+                          <p:cTn id="25" fill="hold">
+                            <p:stCondLst>
+                              <p:cond delay="0"/>
+                            </p:stCondLst>
+                            <p:childTnLst>
+                              <p:par>
+                                <p:cTn id="26" presetID="53" presetClass="entr" presetSubtype="16" fill="hold" nodeType="clickEffect">
+                                  <p:stCondLst>
+                                    <p:cond delay="0"/>
+                                  </p:stCondLst>
+                                  <p:childTnLst>
+                                    <p:set>
+                                      <p:cBhvr>
+                                        <p:cTn id="27" dur="1" fill="hold">
+                                          <p:stCondLst>
+                                            <p:cond delay="0"/>
+                                          </p:stCondLst>
+                                        </p:cTn>
+                                        <p:tgtEl>
+                                          <p:spTgt spid="15">
+                                            <p:txEl>
+                                              <p:pRg st="1" end="1"/>
+                                            </p:txEl>
+                                          </p:spTgt>
+                                        </p:tgtEl>
+                                        <p:attrNameLst>
+                                          <p:attrName>style.visibility</p:attrName>
+                                        </p:attrNameLst>
+                                      </p:cBhvr>
+                                      <p:to>
+                                        <p:strVal val="visible"/>
+                                      </p:to>
+                                    </p:set>
+                                    <p:anim calcmode="lin" valueType="num">
+                                      <p:cBhvr>
+                                        <p:cTn id="28" dur="1250" fill="hold"/>
+                                        <p:tgtEl>
+                                          <p:spTgt spid="15">
+                                            <p:txEl>
+                                              <p:pRg st="1" end="1"/>
+                                            </p:txEl>
+                                          </p:spTgt>
+                                        </p:tgtEl>
+                                        <p:attrNameLst>
+                                          <p:attrName>ppt_w</p:attrName>
+                                        </p:attrNameLst>
+                                      </p:cBhvr>
+                                      <p:tavLst>
+                                        <p:tav tm="0">
+                                          <p:val>
+                                            <p:fltVal val="0"/>
+                                          </p:val>
+                                        </p:tav>
+                                        <p:tav tm="100000">
+                                          <p:val>
+                                            <p:strVal val="#ppt_w"/>
+                                          </p:val>
+                                        </p:tav>
+                                      </p:tavLst>
+                                    </p:anim>
+                                    <p:anim calcmode="lin" valueType="num">
+                                      <p:cBhvr>
+                                        <p:cTn id="29" dur="1250" fill="hold"/>
+                                        <p:tgtEl>
+                                          <p:spTgt spid="15">
+                                            <p:txEl>
+                                              <p:pRg st="1" end="1"/>
+                                            </p:txEl>
+                                          </p:spTgt>
+                                        </p:tgtEl>
+                                        <p:attrNameLst>
+                                          <p:attrName>ppt_h</p:attrName>
+                                        </p:attrNameLst>
+                                      </p:cBhvr>
+                                      <p:tavLst>
+                                        <p:tav tm="0">
+                                          <p:val>
+                                            <p:fltVal val="0"/>
+                                          </p:val>
+                                        </p:tav>
+                                        <p:tav tm="100000">
+                                          <p:val>
+                                            <p:strVal val="#ppt_h"/>
+                                          </p:val>
+                                        </p:tav>
+                                      </p:tavLst>
+                                    </p:anim>
+                                    <p:animEffect transition="in" filter="fade">
+                                      <p:cBhvr>
+                                        <p:cTn id="30" dur="1250"/>
+                                        <p:tgtEl>
+                                          <p:spTgt spid="15">
+                                            <p:txEl>
+                                              <p:pRg st="1" end="1"/>
+                                            </p:txEl>
+                                          </p:spTgt>
+                                        </p:tgtEl>
+                                      </p:cBhvr>
+                                    </p:animEffect>
                                   </p:childTnLst>
                                 </p:cTn>
                               </p:par>
@@ -8515,7 +9497,7 @@
         </p:nvSpPr>
         <p:spPr>
           <a:xfrm>
-            <a:off x="4019558" y="780336"/>
+            <a:off x="4019558" y="737789"/>
             <a:ext cx="3932372" cy="1572925"/>
           </a:xfrm>
           <a:prstGeom prst="rightArrow">
@@ -8847,7 +9829,7 @@
         </p:nvSpPr>
         <p:spPr>
           <a:xfrm>
-            <a:off x="499872" y="653037"/>
+            <a:off x="499872" y="1174383"/>
             <a:ext cx="2877312" cy="2357755"/>
           </a:xfrm>
           <a:prstGeom prst="rect">
@@ -8885,7 +9867,7 @@
         </p:nvSpPr>
         <p:spPr>
           <a:xfrm>
-            <a:off x="8570976" y="230716"/>
+            <a:off x="8570976" y="583680"/>
             <a:ext cx="3352800" cy="3539161"/>
           </a:xfrm>
           <a:prstGeom prst="rect">
@@ -9043,9 +10025,6 @@
                     <p:cTn id="3" fill="hold">
                       <p:stCondLst>
                         <p:cond delay="indefinite"/>
-                        <p:cond evt="onBegin" delay="0">
-                          <p:tn val="2"/>
-                        </p:cond>
                       </p:stCondLst>
                       <p:childTnLst>
                         <p:par>
@@ -9055,7 +10034,7 @@
                             </p:stCondLst>
                             <p:childTnLst>
                               <p:par>
-                                <p:cTn id="5" presetID="22" presetClass="entr" presetSubtype="8" fill="hold" grpId="0" nodeType="withEffect">
+                                <p:cTn id="5" presetID="31" presetClass="entr" presetSubtype="0" fill="hold" grpId="0" nodeType="clickEffect">
                                   <p:stCondLst>
                                     <p:cond delay="0"/>
                                   </p:stCondLst>
@@ -9068,7 +10047,7 @@
                                           </p:stCondLst>
                                         </p:cTn>
                                         <p:tgtEl>
-                                          <p:spTgt spid="5"/>
+                                          <p:spTgt spid="10"/>
                                         </p:tgtEl>
                                         <p:attrNameLst>
                                           <p:attrName>style.visibility</p:attrName>
@@ -9078,11 +10057,80 @@
                                         <p:strVal val="visible"/>
                                       </p:to>
                                     </p:set>
-                                    <p:animEffect transition="in" filter="wipe(left)">
-                                      <p:cBhvr>
-                                        <p:cTn id="7" dur="500"/>
-                                        <p:tgtEl>
-                                          <p:spTgt spid="5"/>
+                                    <p:anim calcmode="lin" valueType="num">
+                                      <p:cBhvr>
+                                        <p:cTn id="7" dur="1250" fill="hold"/>
+                                        <p:tgtEl>
+                                          <p:spTgt spid="10"/>
+                                        </p:tgtEl>
+                                        <p:attrNameLst>
+                                          <p:attrName>ppt_w</p:attrName>
+                                        </p:attrNameLst>
+                                      </p:cBhvr>
+                                      <p:tavLst>
+                                        <p:tav tm="0">
+                                          <p:val>
+                                            <p:fltVal val="0"/>
+                                          </p:val>
+                                        </p:tav>
+                                        <p:tav tm="100000">
+                                          <p:val>
+                                            <p:strVal val="#ppt_w"/>
+                                          </p:val>
+                                        </p:tav>
+                                      </p:tavLst>
+                                    </p:anim>
+                                    <p:anim calcmode="lin" valueType="num">
+                                      <p:cBhvr>
+                                        <p:cTn id="8" dur="1250" fill="hold"/>
+                                        <p:tgtEl>
+                                          <p:spTgt spid="10"/>
+                                        </p:tgtEl>
+                                        <p:attrNameLst>
+                                          <p:attrName>ppt_h</p:attrName>
+                                        </p:attrNameLst>
+                                      </p:cBhvr>
+                                      <p:tavLst>
+                                        <p:tav tm="0">
+                                          <p:val>
+                                            <p:fltVal val="0"/>
+                                          </p:val>
+                                        </p:tav>
+                                        <p:tav tm="100000">
+                                          <p:val>
+                                            <p:strVal val="#ppt_h"/>
+                                          </p:val>
+                                        </p:tav>
+                                      </p:tavLst>
+                                    </p:anim>
+                                    <p:anim calcmode="lin" valueType="num">
+                                      <p:cBhvr>
+                                        <p:cTn id="9" dur="1250" fill="hold"/>
+                                        <p:tgtEl>
+                                          <p:spTgt spid="10"/>
+                                        </p:tgtEl>
+                                        <p:attrNameLst>
+                                          <p:attrName>style.rotation</p:attrName>
+                                        </p:attrNameLst>
+                                      </p:cBhvr>
+                                      <p:tavLst>
+                                        <p:tav tm="0">
+                                          <p:val>
+                                            <p:fltVal val="90"/>
+                                          </p:val>
+                                        </p:tav>
+                                        <p:tav tm="100000">
+                                          <p:val>
+                                            <p:fltVal val="0"/>
+                                          </p:val>
+                                        </p:tav>
+                                      </p:tavLst>
+                                    </p:anim>
+                                    <p:animEffect transition="in" filter="fade">
+                                      <p:cBhvr>
+                                        <p:cTn id="10" dur="1250"/>
+                                        <p:tgtEl>
+                                          <p:spTgt spid="10"/>
                                         </p:tgtEl>
                                       </p:cBhvr>
                                     </p:animEffect>
@@ -9092,27 +10140,36 @@
                             </p:childTnLst>
                           </p:cTn>
                         </p:par>
+                      </p:childTnLst>
+                    </p:cTn>
+                  </p:par>
+                  <p:par>
+                    <p:cTn id="11" fill="hold">
+                      <p:stCondLst>
+                        <p:cond delay="indefinite"/>
+                      </p:stCondLst>
+                      <p:childTnLst>
                         <p:par>
-                          <p:cTn id="8" fill="hold">
+                          <p:cTn id="12" fill="hold">
                             <p:stCondLst>
-                              <p:cond delay="500"/>
+                              <p:cond delay="0"/>
                             </p:stCondLst>
                             <p:childTnLst>
                               <p:par>
-                                <p:cTn id="9" presetID="25" presetClass="entr" presetSubtype="0" fill="hold" grpId="0" nodeType="afterEffect">
+                                <p:cTn id="13" presetID="22" presetClass="entr" presetSubtype="8" fill="hold" grpId="0" nodeType="clickEffect">
                                   <p:stCondLst>
                                     <p:cond delay="0"/>
                                   </p:stCondLst>
                                   <p:childTnLst>
                                     <p:set>
                                       <p:cBhvr>
-                                        <p:cTn id="10" dur="1" fill="hold">
+                                        <p:cTn id="14" dur="1" fill="hold">
                                           <p:stCondLst>
                                             <p:cond delay="0"/>
                                           </p:stCondLst>
                                         </p:cTn>
                                         <p:tgtEl>
-                                          <p:spTgt spid="6"/>
+                                          <p:spTgt spid="5"/>
                                         </p:tgtEl>
                                         <p:attrNameLst>
                                           <p:attrName>style.visibility</p:attrName>
@@ -9122,200 +10179,11 @@
                                         <p:strVal val="visible"/>
                                       </p:to>
                                     </p:set>
-                                    <p:anim calcmode="lin" valueType="num">
-                                      <p:cBhvr>
-                                        <p:cTn id="11" dur="500" decel="50000" fill="hold">
-                                          <p:stCondLst>
-                                            <p:cond delay="0"/>
-                                          </p:stCondLst>
-                                        </p:cTn>
-                                        <p:tgtEl>
-                                          <p:spTgt spid="6"/>
-                                        </p:tgtEl>
-                                        <p:attrNameLst>
-                                          <p:attrName>style.rotation</p:attrName>
-                                        </p:attrNameLst>
-                                      </p:cBhvr>
-                                      <p:tavLst>
-                                        <p:tav tm="0">
-                                          <p:val>
-                                            <p:fltVal val="-90"/>
-                                          </p:val>
-                                        </p:tav>
-                                        <p:tav tm="100000">
-                                          <p:val>
-                                            <p:fltVal val="0"/>
-                                          </p:val>
-                                        </p:tav>
-                                      </p:tavLst>
-                                    </p:anim>
-                                    <p:anim calcmode="lin" valueType="num">
-                                      <p:cBhvr>
-                                        <p:cTn id="12" dur="500" decel="50000" fill="hold">
-                                          <p:stCondLst>
-                                            <p:cond delay="0"/>
-                                          </p:stCondLst>
-                                        </p:cTn>
-                                        <p:tgtEl>
-                                          <p:spTgt spid="6"/>
-                                        </p:tgtEl>
-                                        <p:attrNameLst>
-                                          <p:attrName>ppt_w</p:attrName>
-                                        </p:attrNameLst>
-                                      </p:cBhvr>
-                                      <p:tavLst>
-                                        <p:tav tm="0">
-                                          <p:val>
-                                            <p:strVal val="#ppt_w"/>
-                                          </p:val>
-                                        </p:tav>
-                                        <p:tav tm="100000">
-                                          <p:val>
-                                            <p:strVal val="#ppt_w*.05"/>
-                                          </p:val>
-                                        </p:tav>
-                                      </p:tavLst>
-                                    </p:anim>
-                                    <p:anim calcmode="lin" valueType="num">
-                                      <p:cBhvr>
-                                        <p:cTn id="13" dur="500" accel="50000" fill="hold">
-                                          <p:stCondLst>
-                                            <p:cond delay="500"/>
-                                          </p:stCondLst>
-                                        </p:cTn>
-                                        <p:tgtEl>
-                                          <p:spTgt spid="6"/>
-                                        </p:tgtEl>
-                                        <p:attrNameLst>
-                                          <p:attrName>ppt_w</p:attrName>
-                                        </p:attrNameLst>
-                                      </p:cBhvr>
-                                      <p:tavLst>
-                                        <p:tav tm="0">
-                                          <p:val>
-                                            <p:strVal val="#ppt_w*.05"/>
-                                          </p:val>
-                                        </p:tav>
-                                        <p:tav tm="100000">
-                                          <p:val>
-                                            <p:strVal val="#ppt_w"/>
-                                          </p:val>
-                                        </p:tav>
-                                      </p:tavLst>
-                                    </p:anim>
-                                    <p:anim calcmode="lin" valueType="num">
-                                      <p:cBhvr>
-                                        <p:cTn id="14" dur="1000" fill="hold"/>
-                                        <p:tgtEl>
-                                          <p:spTgt spid="6"/>
-                                        </p:tgtEl>
-                                        <p:attrNameLst>
-                                          <p:attrName>ppt_h</p:attrName>
-                                        </p:attrNameLst>
-                                      </p:cBhvr>
-                                      <p:tavLst>
-                                        <p:tav tm="0">
-                                          <p:val>
-                                            <p:strVal val="#ppt_h"/>
-                                          </p:val>
-                                        </p:tav>
-                                        <p:tav tm="100000">
-                                          <p:val>
-                                            <p:strVal val="#ppt_h"/>
-                                          </p:val>
-                                        </p:tav>
-                                      </p:tavLst>
-                                    </p:anim>
-                                    <p:anim calcmode="lin" valueType="num">
-                                      <p:cBhvr>
-                                        <p:cTn id="15" dur="500" decel="50000" fill="hold">
-                                          <p:stCondLst>
-                                            <p:cond delay="0"/>
-                                          </p:stCondLst>
-                                        </p:cTn>
-                                        <p:tgtEl>
-                                          <p:spTgt spid="6"/>
-                                        </p:tgtEl>
-                                        <p:attrNameLst>
-                                          <p:attrName>ppt_x</p:attrName>
-                                        </p:attrNameLst>
-                                      </p:cBhvr>
-                                      <p:tavLst>
-                                        <p:tav tm="0">
-                                          <p:val>
-                                            <p:strVal val="#ppt_x+.4"/>
-                                          </p:val>
-                                        </p:tav>
-                                        <p:tav tm="100000">
-                                          <p:val>
-                                            <p:strVal val="#ppt_x"/>
-                                          </p:val>
-                                        </p:tav>
-                                      </p:tavLst>
-                                    </p:anim>
-                                    <p:anim calcmode="lin" valueType="num">
-                                      <p:cBhvr>
-                                        <p:cTn id="16" dur="500" decel="50000" fill="hold">
-                                          <p:stCondLst>
-                                            <p:cond delay="0"/>
-                                          </p:stCondLst>
-                                        </p:cTn>
-                                        <p:tgtEl>
-                                          <p:spTgt spid="6"/>
-                                        </p:tgtEl>
-                                        <p:attrNameLst>
-                                          <p:attrName>ppt_y</p:attrName>
-                                        </p:attrNameLst>
-                                      </p:cBhvr>
-                                      <p:tavLst>
-                                        <p:tav tm="0">
-                                          <p:val>
-                                            <p:strVal val="#ppt_y-.2"/>
-                                          </p:val>
-                                        </p:tav>
-                                        <p:tav tm="100000">
-                                          <p:val>
-                                            <p:strVal val="#ppt_y+.1"/>
-                                          </p:val>
-                                        </p:tav>
-                                      </p:tavLst>
-                                    </p:anim>
-                                    <p:anim calcmode="lin" valueType="num">
-                                      <p:cBhvr>
-                                        <p:cTn id="17" dur="500" accel="50000" fill="hold">
-                                          <p:stCondLst>
-                                            <p:cond delay="500"/>
-                                          </p:stCondLst>
-                                        </p:cTn>
-                                        <p:tgtEl>
-                                          <p:spTgt spid="6"/>
-                                        </p:tgtEl>
-                                        <p:attrNameLst>
-                                          <p:attrName>ppt_y</p:attrName>
-                                        </p:attrNameLst>
-                                      </p:cBhvr>
-                                      <p:tavLst>
-                                        <p:tav tm="0">
-                                          <p:val>
-                                            <p:strVal val="#ppt_y+.1"/>
-                                          </p:val>
-                                        </p:tav>
-                                        <p:tav tm="100000">
-                                          <p:val>
-                                            <p:strVal val="#ppt_y"/>
-                                          </p:val>
-                                        </p:tav>
-                                      </p:tavLst>
-                                    </p:anim>
-                                    <p:animEffect transition="in" filter="fade">
-                                      <p:cBhvr>
-                                        <p:cTn id="18" dur="1000" decel="50000">
-                                          <p:stCondLst>
-                                            <p:cond delay="0"/>
-                                          </p:stCondLst>
-                                        </p:cTn>
-                                        <p:tgtEl>
-                                          <p:spTgt spid="6"/>
+                                    <p:animEffect transition="in" filter="wipe(left)">
+                                      <p:cBhvr>
+                                        <p:cTn id="15" dur="500"/>
+                                        <p:tgtEl>
+                                          <p:spTgt spid="5"/>
                                         </p:tgtEl>
                                       </p:cBhvr>
                                     </p:animEffect>
@@ -9325,27 +10193,36 @@
                             </p:childTnLst>
                           </p:cTn>
                         </p:par>
+                      </p:childTnLst>
+                    </p:cTn>
+                  </p:par>
+                  <p:par>
+                    <p:cTn id="16" fill="hold">
+                      <p:stCondLst>
+                        <p:cond delay="indefinite"/>
+                      </p:stCondLst>
+                      <p:childTnLst>
                         <p:par>
-                          <p:cTn id="19" fill="hold">
+                          <p:cTn id="17" fill="hold">
                             <p:stCondLst>
-                              <p:cond delay="1500"/>
+                              <p:cond delay="0"/>
                             </p:stCondLst>
                             <p:childTnLst>
                               <p:par>
-                                <p:cTn id="20" presetID="53" presetClass="entr" presetSubtype="16" fill="hold" grpId="0" nodeType="afterEffect">
+                                <p:cTn id="18" presetID="53" presetClass="entr" presetSubtype="16" fill="hold" grpId="0" nodeType="clickEffect">
                                   <p:stCondLst>
                                     <p:cond delay="0"/>
                                   </p:stCondLst>
                                   <p:childTnLst>
                                     <p:set>
                                       <p:cBhvr>
-                                        <p:cTn id="21" dur="1" fill="hold">
+                                        <p:cTn id="19" dur="1" fill="hold">
                                           <p:stCondLst>
                                             <p:cond delay="0"/>
                                           </p:stCondLst>
                                         </p:cTn>
                                         <p:tgtEl>
-                                          <p:spTgt spid="8"/>
+                                          <p:spTgt spid="11"/>
                                         </p:tgtEl>
                                         <p:attrNameLst>
                                           <p:attrName>style.visibility</p:attrName>
@@ -9357,9 +10234,9 @@
                                     </p:set>
                                     <p:anim calcmode="lin" valueType="num">
                                       <p:cBhvr>
-                                        <p:cTn id="22" dur="500" fill="hold"/>
-                                        <p:tgtEl>
-                                          <p:spTgt spid="8"/>
+                                        <p:cTn id="20" dur="1250" fill="hold"/>
+                                        <p:tgtEl>
+                                          <p:spTgt spid="11"/>
                                         </p:tgtEl>
                                         <p:attrNameLst>
                                           <p:attrName>ppt_w</p:attrName>
@@ -9380,9 +10257,9 @@
                                     </p:anim>
                                     <p:anim calcmode="lin" valueType="num">
                                       <p:cBhvr>
-                                        <p:cTn id="23" dur="500" fill="hold"/>
-                                        <p:tgtEl>
-                                          <p:spTgt spid="8"/>
+                                        <p:cTn id="21" dur="1250" fill="hold"/>
+                                        <p:tgtEl>
+                                          <p:spTgt spid="11"/>
                                         </p:tgtEl>
                                         <p:attrNameLst>
                                           <p:attrName>ppt_h</p:attrName>
@@ -9403,9 +10280,9 @@
                                     </p:anim>
                                     <p:animEffect transition="in" filter="fade">
                                       <p:cBhvr>
-                                        <p:cTn id="24" dur="500"/>
-                                        <p:tgtEl>
-                                          <p:spTgt spid="8"/>
+                                        <p:cTn id="22" dur="1250"/>
+                                        <p:tgtEl>
+                                          <p:spTgt spid="11"/>
                                         </p:tgtEl>
                                       </p:cBhvr>
                                     </p:animEffect>
@@ -9415,21 +10292,152 @@
                             </p:childTnLst>
                           </p:cTn>
                         </p:par>
+                      </p:childTnLst>
+                    </p:cTn>
+                  </p:par>
+                  <p:par>
+                    <p:cTn id="23" fill="hold">
+                      <p:stCondLst>
+                        <p:cond delay="indefinite"/>
+                      </p:stCondLst>
+                      <p:childTnLst>
                         <p:par>
-                          <p:cTn id="25" fill="hold">
+                          <p:cTn id="24" fill="hold">
                             <p:stCondLst>
-                              <p:cond delay="2000"/>
+                              <p:cond delay="0"/>
                             </p:stCondLst>
                             <p:childTnLst>
                               <p:par>
-                                <p:cTn id="26" presetID="26" presetClass="entr" presetSubtype="0" fill="hold" grpId="0" nodeType="afterEffect">
+                                <p:cTn id="25" presetID="16" presetClass="entr" presetSubtype="21" fill="hold" nodeType="clickEffect">
                                   <p:stCondLst>
                                     <p:cond delay="0"/>
                                   </p:stCondLst>
                                   <p:childTnLst>
                                     <p:set>
                                       <p:cBhvr>
-                                        <p:cTn id="27" dur="1" fill="hold">
+                                        <p:cTn id="26" dur="1" fill="hold">
+                                          <p:stCondLst>
+                                            <p:cond delay="0"/>
+                                          </p:stCondLst>
+                                        </p:cTn>
+                                        <p:tgtEl>
+                                          <p:spTgt spid="6">
+                                            <p:txEl>
+                                              <p:pRg st="0" end="0"/>
+                                            </p:txEl>
+                                          </p:spTgt>
+                                        </p:tgtEl>
+                                        <p:attrNameLst>
+                                          <p:attrName>style.visibility</p:attrName>
+                                        </p:attrNameLst>
+                                      </p:cBhvr>
+                                      <p:to>
+                                        <p:strVal val="visible"/>
+                                      </p:to>
+                                    </p:set>
+                                    <p:animEffect transition="in" filter="barn(inVertical)">
+                                      <p:cBhvr>
+                                        <p:cTn id="27" dur="500"/>
+                                        <p:tgtEl>
+                                          <p:spTgt spid="6">
+                                            <p:txEl>
+                                              <p:pRg st="0" end="0"/>
+                                            </p:txEl>
+                                          </p:spTgt>
+                                        </p:tgtEl>
+                                      </p:cBhvr>
+                                    </p:animEffect>
+                                  </p:childTnLst>
+                                </p:cTn>
+                              </p:par>
+                            </p:childTnLst>
+                          </p:cTn>
+                        </p:par>
+                      </p:childTnLst>
+                    </p:cTn>
+                  </p:par>
+                  <p:par>
+                    <p:cTn id="28" fill="hold">
+                      <p:stCondLst>
+                        <p:cond delay="indefinite"/>
+                      </p:stCondLst>
+                      <p:childTnLst>
+                        <p:par>
+                          <p:cTn id="29" fill="hold">
+                            <p:stCondLst>
+                              <p:cond delay="0"/>
+                            </p:stCondLst>
+                            <p:childTnLst>
+                              <p:par>
+                                <p:cTn id="30" presetID="16" presetClass="entr" presetSubtype="37" fill="hold" nodeType="clickEffect">
+                                  <p:stCondLst>
+                                    <p:cond delay="0"/>
+                                  </p:stCondLst>
+                                  <p:childTnLst>
+                                    <p:set>
+                                      <p:cBhvr>
+                                        <p:cTn id="31" dur="1" fill="hold">
+                                          <p:stCondLst>
+                                            <p:cond delay="0"/>
+                                          </p:stCondLst>
+                                        </p:cTn>
+                                        <p:tgtEl>
+                                          <p:spTgt spid="8">
+                                            <p:txEl>
+                                              <p:pRg st="0" end="0"/>
+                                            </p:txEl>
+                                          </p:spTgt>
+                                        </p:tgtEl>
+                                        <p:attrNameLst>
+                                          <p:attrName>style.visibility</p:attrName>
+                                        </p:attrNameLst>
+                                      </p:cBhvr>
+                                      <p:to>
+                                        <p:strVal val="visible"/>
+                                      </p:to>
+                                    </p:set>
+                                    <p:animEffect transition="in" filter="barn(outVertical)">
+                                      <p:cBhvr>
+                                        <p:cTn id="32" dur="1250"/>
+                                        <p:tgtEl>
+                                          <p:spTgt spid="8">
+                                            <p:txEl>
+                                              <p:pRg st="0" end="0"/>
+                                            </p:txEl>
+                                          </p:spTgt>
+                                        </p:tgtEl>
+                                      </p:cBhvr>
+                                    </p:animEffect>
+                                  </p:childTnLst>
+                                </p:cTn>
+                              </p:par>
+                            </p:childTnLst>
+                          </p:cTn>
+                        </p:par>
+                      </p:childTnLst>
+                    </p:cTn>
+                  </p:par>
+                  <p:par>
+                    <p:cTn id="33" fill="hold">
+                      <p:stCondLst>
+                        <p:cond delay="indefinite"/>
+                      </p:stCondLst>
+                      <p:childTnLst>
+                        <p:par>
+                          <p:cTn id="34" fill="hold">
+                            <p:stCondLst>
+                              <p:cond delay="0"/>
+                            </p:stCondLst>
+                            <p:childTnLst>
+                              <p:par>
+                                <p:cTn id="35" presetID="26" presetClass="entr" presetSubtype="0" fill="hold" nodeType="clickEffect">
+                                  <p:stCondLst>
+                                    <p:cond delay="0"/>
+                                  </p:stCondLst>
+                                  <p:childTnLst>
+                                    <p:set>
+                                      <p:cBhvr>
+                                        <p:cTn id="36" dur="1" fill="hold">
                                           <p:stCondLst>
                                             <p:cond delay="0"/>
                                           </p:stCondLst>
@@ -9451,7 +10459,7 @@
                                     </p:set>
                                     <p:animEffect transition="in" filter="wipe(down)">
                                       <p:cBhvr>
-                                        <p:cTn id="28" dur="580">
+                                        <p:cTn id="37" dur="580">
                                           <p:stCondLst>
                                             <p:cond delay="0"/>
                                           </p:stCondLst>
@@ -9467,7 +10475,7 @@
                                     </p:animEffect>
                                     <p:anim calcmode="lin" valueType="num">
                                       <p:cBhvr>
-                                        <p:cTn id="29" dur="1822" tmFilter="0,0; 0.14,0.36; 0.43,0.73; 0.71,0.91; 1.0,1.0">
+                                        <p:cTn id="38" dur="1822" tmFilter="0,0; 0.14,0.36; 0.43,0.73; 0.71,0.91; 1.0,1.0">
                                           <p:stCondLst>
                                             <p:cond delay="0"/>
                                           </p:stCondLst>
@@ -9498,7 +10506,7 @@
                                     </p:anim>
                                     <p:anim calcmode="lin" valueType="num">
                                       <p:cBhvr>
-                                        <p:cTn id="30" dur="664" tmFilter="0.0,0.0; 0.25,0.07; 0.50,0.2; 0.75,0.467; 1.0,1.0">
+                                        <p:cTn id="39" dur="664" tmFilter="0.0,0.0; 0.25,0.07; 0.50,0.2; 0.75,0.467; 1.0,1.0">
                                           <p:stCondLst>
                                             <p:cond delay="0"/>
                                           </p:stCondLst>
@@ -9529,7 +10537,7 @@
                                     </p:anim>
                                     <p:anim calcmode="lin" valueType="num">
                                       <p:cBhvr>
-                                        <p:cTn id="31" dur="664" tmFilter="0, 0; 0.125,0.2665; 0.25,0.4; 0.375,0.465; 0.5,0.5;  0.625,0.535; 0.75,0.6; 0.875,0.7335; 1,1">
+                                        <p:cTn id="40" dur="664" tmFilter="0, 0; 0.125,0.2665; 0.25,0.4; 0.375,0.465; 0.5,0.5;  0.625,0.535; 0.75,0.6; 0.875,0.7335; 1,1">
                                           <p:stCondLst>
                                             <p:cond delay="664"/>
                                           </p:stCondLst>
@@ -9560,7 +10568,7 @@
                                     </p:anim>
                                     <p:anim calcmode="lin" valueType="num">
                                       <p:cBhvr>
-                                        <p:cTn id="32" dur="332" tmFilter="0, 0; 0.125,0.2665; 0.25,0.4; 0.375,0.465; 0.5,0.5;  0.625,0.535; 0.75,0.6; 0.875,0.7335; 1,1">
+                                        <p:cTn id="41" dur="332" tmFilter="0, 0; 0.125,0.2665; 0.25,0.4; 0.375,0.465; 0.5,0.5;  0.625,0.535; 0.75,0.6; 0.875,0.7335; 1,1">
                                           <p:stCondLst>
                                             <p:cond delay="1324"/>
                                           </p:stCondLst>
@@ -9591,7 +10599,7 @@
                                     </p:anim>
                                     <p:anim calcmode="lin" valueType="num">
                                       <p:cBhvr>
-                                        <p:cTn id="33" dur="164" tmFilter="0, 0; 0.125,0.2665; 0.25,0.4; 0.375,0.465; 0.5,0.5;  0.625,0.535; 0.75,0.6; 0.875,0.7335; 1,1">
+                                        <p:cTn id="42" dur="164" tmFilter="0, 0; 0.125,0.2665; 0.25,0.4; 0.375,0.465; 0.5,0.5;  0.625,0.535; 0.75,0.6; 0.875,0.7335; 1,1">
                                           <p:stCondLst>
                                             <p:cond delay="1656"/>
                                           </p:stCondLst>
@@ -9622,7 +10630,7 @@
                                     </p:anim>
                                     <p:animScale>
                                       <p:cBhvr>
-                                        <p:cTn id="34" dur="26">
+                                        <p:cTn id="43" dur="26">
                                           <p:stCondLst>
                                             <p:cond delay="650"/>
                                           </p:stCondLst>
@@ -9639,7 +10647,7 @@
                                     </p:animScale>
                                     <p:animScale>
                                       <p:cBhvr>
-                                        <p:cTn id="35" dur="166" decel="50000">
+                                        <p:cTn id="44" dur="166" decel="50000">
                                           <p:stCondLst>
                                             <p:cond delay="676"/>
                                           </p:stCondLst>
@@ -9656,7 +10664,7 @@
                                     </p:animScale>
                                     <p:animScale>
                                       <p:cBhvr>
-                                        <p:cTn id="36" dur="26">
+                                        <p:cTn id="45" dur="26">
                                           <p:stCondLst>
                                             <p:cond delay="1312"/>
                                           </p:stCondLst>
@@ -9673,7 +10681,7 @@
                                     </p:animScale>
                                     <p:animScale>
                                       <p:cBhvr>
-                                        <p:cTn id="37" dur="166" decel="50000">
+                                        <p:cTn id="46" dur="166" decel="50000">
                                           <p:stCondLst>
                                             <p:cond delay="1338"/>
                                           </p:stCondLst>
@@ -9690,7 +10698,7 @@
                                     </p:animScale>
                                     <p:animScale>
                                       <p:cBhvr>
-                                        <p:cTn id="38" dur="26">
+                                        <p:cTn id="47" dur="26">
                                           <p:stCondLst>
                                             <p:cond delay="1642"/>
                                           </p:stCondLst>
@@ -9707,7 +10715,7 @@
                                     </p:animScale>
                                     <p:animScale>
                                       <p:cBhvr>
-                                        <p:cTn id="39" dur="166" decel="50000">
+                                        <p:cTn id="48" dur="166" decel="50000">
                                           <p:stCondLst>
                                             <p:cond delay="1668"/>
                                           </p:stCondLst>
@@ -9724,7 +10732,7 @@
                                     </p:animScale>
                                     <p:animScale>
                                       <p:cBhvr>
-                                        <p:cTn id="40" dur="26">
+                                        <p:cTn id="49" dur="26">
                                           <p:stCondLst>
                                             <p:cond delay="1808"/>
                                           </p:stCondLst>
@@ -9741,7 +10749,7 @@
                                     </p:animScale>
                                     <p:animScale>
                                       <p:cBhvr>
-                                        <p:cTn id="41" dur="166" decel="50000">
+                                        <p:cTn id="50" dur="166" decel="50000">
                                           <p:stCondLst>
                                             <p:cond delay="1834"/>
                                           </p:stCondLst>
@@ -9788,9 +10796,8 @@
     </p:tnLst>
     <p:bldLst>
       <p:bldP spid="5" grpId="0" animBg="1"/>
-      <p:bldP spid="6" grpId="0"/>
-      <p:bldP spid="7" grpId="0" build="p"/>
-      <p:bldP spid="8" grpId="0"/>
+      <p:bldP spid="10" grpId="0" animBg="1"/>
+      <p:bldP spid="11" grpId="0" animBg="1"/>
     </p:bldLst>
   </p:timing>
 </p:sld>
